--- a/Documentation/DARTS MINOR PRESENTATION.pptx
+++ b/Documentation/DARTS MINOR PRESENTATION.pptx
@@ -236,7 +236,7 @@
           <a:p>
             <a:fld id="{73E9D15D-1C13-CC45-BE09-4D54E9A973B4}" type="datetimeFigureOut">
               <a:rPr lang="en-US" smtClean="0"/>
-              <a:t>2/12/2024</a:t>
+              <a:t>4/16/2024</a:t>
             </a:fld>
             <a:endParaRPr lang="en-US" dirty="0"/>
           </a:p>
@@ -666,7 +666,7 @@
           <a:p>
             <a:fld id="{FD3D9895-3AFC-9E49-BB6B-D5AF81433D95}" type="datetimeFigureOut">
               <a:rPr lang="en-US" smtClean="0"/>
-              <a:t>2/12/2024</a:t>
+              <a:t>4/16/2024</a:t>
             </a:fld>
             <a:endParaRPr lang="en-US" dirty="0"/>
           </a:p>
@@ -827,7 +827,7 @@
           <a:p>
             <a:fld id="{1703F520-AAB7-4D20-958E-A456239933B0}" type="datetimeFigureOut">
               <a:rPr lang="en-US" smtClean="0"/>
-              <a:t>2/12/2024</a:t>
+              <a:t>4/16/2024</a:t>
             </a:fld>
             <a:endParaRPr lang="en-US" dirty="0"/>
           </a:p>
@@ -4667,7 +4667,7 @@
           <p:nvPr>
             <p:extLst>
               <p:ext uri="{D42A27DB-BD31-4B8C-83A1-F6EECF244321}">
-                <p14:modId xmlns:p14="http://schemas.microsoft.com/office/powerpoint/2010/main" val="2226507642"/>
+                <p14:modId xmlns:p14="http://schemas.microsoft.com/office/powerpoint/2010/main" val="2117832082"/>
               </p:ext>
             </p:extLst>
           </p:nvPr>
@@ -4929,7 +4929,7 @@
                         </a:spcAft>
                       </a:pPr>
                       <a:r>
-                        <a:rPr lang="en-IN" sz="1600" b="0" i="0" u="none" strike="noStrike" dirty="0">
+                        <a:rPr lang="en-US" sz="1600" b="0" i="0" u="none" strike="noStrike" dirty="0">
                           <a:solidFill>
                             <a:srgbClr val="000000"/>
                           </a:solidFill>
@@ -4937,7 +4937,18 @@
                           <a:latin typeface="Times New Roman" panose="02020603050405020304" pitchFamily="18" charset="0"/>
                           <a:cs typeface="Times New Roman" panose="02020603050405020304" pitchFamily="18" charset="0"/>
                         </a:rPr>
-                        <a:t>Under-Development</a:t>
+                        <a:t>C</a:t>
+                      </a:r>
+                      <a:r>
+                        <a:rPr lang="en-IN" sz="1600" b="0" i="0" u="none" strike="noStrike" dirty="0" err="1">
+                          <a:solidFill>
+                            <a:srgbClr val="000000"/>
+                          </a:solidFill>
+                          <a:effectLst/>
+                          <a:latin typeface="Times New Roman" panose="02020603050405020304" pitchFamily="18" charset="0"/>
+                          <a:cs typeface="Times New Roman" panose="02020603050405020304" pitchFamily="18" charset="0"/>
+                        </a:rPr>
+                        <a:t>omplete</a:t>
                       </a:r>
                       <a:endParaRPr lang="en-IN" sz="2000" dirty="0">
                         <a:effectLst/>
@@ -5087,7 +5098,7 @@
                         </a:spcAft>
                       </a:pPr>
                       <a:r>
-                        <a:rPr lang="en-IN" sz="1600" b="0" i="0" u="none" strike="noStrike" dirty="0">
+                        <a:rPr lang="en-US" sz="1600" b="0" i="0" u="none" strike="noStrike" dirty="0">
                           <a:solidFill>
                             <a:srgbClr val="000000"/>
                           </a:solidFill>
@@ -5095,7 +5106,7 @@
                           <a:latin typeface="Times New Roman" panose="02020603050405020304" pitchFamily="18" charset="0"/>
                           <a:cs typeface="Times New Roman" panose="02020603050405020304" pitchFamily="18" charset="0"/>
                         </a:rPr>
-                        <a:t>Not Started</a:t>
+                        <a:t>Almost-Complete</a:t>
                       </a:r>
                       <a:endParaRPr lang="en-IN" sz="2000" dirty="0">
                         <a:effectLst/>
@@ -5242,7 +5253,7 @@
                           <a:latin typeface="Times New Roman" panose="02020603050405020304" pitchFamily="18" charset="0"/>
                           <a:cs typeface="Times New Roman" panose="02020603050405020304" pitchFamily="18" charset="0"/>
                         </a:rPr>
-                        <a:t>Not Started</a:t>
+                        <a:t>Under-Development</a:t>
                       </a:r>
                       <a:endParaRPr lang="en-IN" sz="2000" dirty="0">
                         <a:effectLst/>
@@ -5538,7 +5549,7 @@
                 <a:latin typeface="Times New Roman" panose="02020603050405020304" pitchFamily="18" charset="0"/>
                 <a:cs typeface="Times New Roman" panose="02020603050405020304" pitchFamily="18" charset="0"/>
               </a:rPr>
-              <a:t>Software:</a:t>
+              <a:t>Website:</a:t>
             </a:r>
           </a:p>
           <a:p>
@@ -5551,7 +5562,7 @@
                 <a:latin typeface="Times New Roman" panose="02020603050405020304" pitchFamily="18" charset="0"/>
                 <a:cs typeface="Times New Roman" panose="02020603050405020304" pitchFamily="18" charset="0"/>
               </a:rPr>
-              <a:t>Title: Online Medical Form Filling Auto Typer Software</a:t>
+              <a:t>Title: Spring JPA Queries</a:t>
             </a:r>
           </a:p>
           <a:p>
@@ -5567,48 +5578,96 @@
               <a:t>URL: </a:t>
             </a:r>
             <a:r>
-              <a:rPr lang="en-IN" dirty="0">
-                <a:latin typeface="Times New Roman" panose="02020603050405020304" pitchFamily="18" charset="0"/>
-                <a:cs typeface="Times New Roman" panose="02020603050405020304" pitchFamily="18" charset="0"/>
-                <a:hlinkClick r:id="rId2"/>
-              </a:rPr>
-              <a:t>https://rvsdataconversion.com</a:t>
-            </a:r>
+              <a:rPr lang="en-US" dirty="0">
+                <a:latin typeface="Times New Roman" panose="02020603050405020304" pitchFamily="18" charset="0"/>
+                <a:cs typeface="Times New Roman" panose="02020603050405020304" pitchFamily="18" charset="0"/>
+                <a:hlinkClick r:id="rId3"/>
+              </a:rPr>
+              <a:t>JPA Query Methods :: Spring Data JPA</a:t>
+            </a:r>
+            <a:endParaRPr lang="en-US" dirty="0">
+              <a:latin typeface="Times New Roman" panose="02020603050405020304" pitchFamily="18" charset="0"/>
+              <a:cs typeface="Times New Roman" panose="02020603050405020304" pitchFamily="18" charset="0"/>
+            </a:endParaRPr>
+          </a:p>
+          <a:p>
             <a:endParaRPr lang="en-IN" dirty="0">
               <a:latin typeface="Times New Roman" panose="02020603050405020304" pitchFamily="18" charset="0"/>
               <a:cs typeface="Times New Roman" panose="02020603050405020304" pitchFamily="18" charset="0"/>
             </a:endParaRPr>
           </a:p>
           <a:p>
+            <a:pPr marL="342900" indent="-342900">
+              <a:buFont typeface="+mj-lt"/>
+              <a:buAutoNum type="arabicPeriod" startAt="3"/>
+            </a:pPr>
+            <a:r>
+              <a:rPr lang="en-IN" dirty="0">
+                <a:latin typeface="Times New Roman" panose="02020603050405020304" pitchFamily="18" charset="0"/>
+                <a:cs typeface="Times New Roman" panose="02020603050405020304" pitchFamily="18" charset="0"/>
+              </a:rPr>
+              <a:t>Website:</a:t>
+            </a:r>
+          </a:p>
+          <a:p>
+            <a:pPr marL="285750" indent="-285750">
+              <a:buFont typeface="Arial" panose="020B0604020202020204" pitchFamily="34" charset="0"/>
+              <a:buChar char="•"/>
+            </a:pPr>
+            <a:r>
+              <a:rPr lang="en-IN" dirty="0">
+                <a:latin typeface="Times New Roman" panose="02020603050405020304" pitchFamily="18" charset="0"/>
+                <a:cs typeface="Times New Roman" panose="02020603050405020304" pitchFamily="18" charset="0"/>
+              </a:rPr>
+              <a:t>Title: Spring Boot Documentation</a:t>
+            </a:r>
+          </a:p>
+          <a:p>
+            <a:pPr marL="285750" indent="-285750">
+              <a:buFont typeface="Arial" panose="020B0604020202020204" pitchFamily="34" charset="0"/>
+              <a:buChar char="•"/>
+            </a:pPr>
+            <a:r>
+              <a:rPr lang="en-IN" dirty="0">
+                <a:latin typeface="Times New Roman" panose="02020603050405020304" pitchFamily="18" charset="0"/>
+                <a:cs typeface="Times New Roman" panose="02020603050405020304" pitchFamily="18" charset="0"/>
+              </a:rPr>
+              <a:t>URL: </a:t>
+            </a:r>
+            <a:r>
+              <a:rPr lang="en-IN" dirty="0">
+                <a:latin typeface="Times New Roman" panose="02020603050405020304" pitchFamily="18" charset="0"/>
+                <a:cs typeface="Times New Roman" panose="02020603050405020304" pitchFamily="18" charset="0"/>
+                <a:hlinkClick r:id="rId4"/>
+              </a:rPr>
+              <a:t>https://spring.io/projects/spring-boot</a:t>
+            </a:r>
             <a:endParaRPr lang="en-IN" dirty="0">
               <a:latin typeface="Times New Roman" panose="02020603050405020304" pitchFamily="18" charset="0"/>
               <a:cs typeface="Times New Roman" panose="02020603050405020304" pitchFamily="18" charset="0"/>
             </a:endParaRPr>
           </a:p>
           <a:p>
-            <a:pPr marL="342900" indent="-342900">
-              <a:buFont typeface="+mj-lt"/>
-              <a:buAutoNum type="arabicPeriod" startAt="3"/>
-            </a:pPr>
-            <a:r>
-              <a:rPr lang="en-IN" dirty="0">
-                <a:latin typeface="Times New Roman" panose="02020603050405020304" pitchFamily="18" charset="0"/>
-                <a:cs typeface="Times New Roman" panose="02020603050405020304" pitchFamily="18" charset="0"/>
-              </a:rPr>
-              <a:t>Website:</a:t>
-            </a:r>
-          </a:p>
-          <a:p>
             <a:pPr marL="285750" indent="-285750">
               <a:buFont typeface="Arial" panose="020B0604020202020204" pitchFamily="34" charset="0"/>
               <a:buChar char="•"/>
             </a:pPr>
+            <a:endParaRPr lang="en-IN" dirty="0">
+              <a:latin typeface="Times New Roman" panose="02020603050405020304" pitchFamily="18" charset="0"/>
+              <a:cs typeface="Times New Roman" panose="02020603050405020304" pitchFamily="18" charset="0"/>
+            </a:endParaRPr>
+          </a:p>
+          <a:p>
+            <a:pPr marL="342900" indent="-342900">
+              <a:buFont typeface="+mj-lt"/>
+              <a:buAutoNum type="arabicPeriod" startAt="4"/>
+            </a:pPr>
             <a:r>
               <a:rPr lang="en-IN" dirty="0">
                 <a:latin typeface="Times New Roman" panose="02020603050405020304" pitchFamily="18" charset="0"/>
                 <a:cs typeface="Times New Roman" panose="02020603050405020304" pitchFamily="18" charset="0"/>
               </a:rPr>
-              <a:t>Title: Spring Boot Documentation</a:t>
+              <a:t>Website:</a:t>
             </a:r>
           </a:p>
           <a:p>
@@ -5621,15 +5680,28 @@
                 <a:latin typeface="Times New Roman" panose="02020603050405020304" pitchFamily="18" charset="0"/>
                 <a:cs typeface="Times New Roman" panose="02020603050405020304" pitchFamily="18" charset="0"/>
               </a:rPr>
+              <a:t>Title: MySQL Documentation</a:t>
+            </a:r>
+          </a:p>
+          <a:p>
+            <a:pPr marL="285750" indent="-285750">
+              <a:buFont typeface="Arial" panose="020B0604020202020204" pitchFamily="34" charset="0"/>
+              <a:buChar char="•"/>
+            </a:pPr>
+            <a:r>
+              <a:rPr lang="en-IN" dirty="0">
+                <a:latin typeface="Times New Roman" panose="02020603050405020304" pitchFamily="18" charset="0"/>
+                <a:cs typeface="Times New Roman" panose="02020603050405020304" pitchFamily="18" charset="0"/>
+              </a:rPr>
               <a:t>URL: </a:t>
             </a:r>
             <a:r>
               <a:rPr lang="en-IN" dirty="0">
                 <a:latin typeface="Times New Roman" panose="02020603050405020304" pitchFamily="18" charset="0"/>
                 <a:cs typeface="Times New Roman" panose="02020603050405020304" pitchFamily="18" charset="0"/>
-                <a:hlinkClick r:id="rId3"/>
-              </a:rPr>
-              <a:t>https://spring.io/projects/spring-boot</a:t>
+                <a:hlinkClick r:id="rId5"/>
+              </a:rPr>
+              <a:t>https://www.mysql.com/products/enterprise/document_store.html</a:t>
             </a:r>
             <a:endParaRPr lang="en-IN" dirty="0">
               <a:latin typeface="Times New Roman" panose="02020603050405020304" pitchFamily="18" charset="0"/>
@@ -5649,67 +5721,6 @@
           <a:p>
             <a:pPr marL="342900" indent="-342900">
               <a:buFont typeface="+mj-lt"/>
-              <a:buAutoNum type="arabicPeriod" startAt="4"/>
-            </a:pPr>
-            <a:r>
-              <a:rPr lang="en-IN" dirty="0">
-                <a:latin typeface="Times New Roman" panose="02020603050405020304" pitchFamily="18" charset="0"/>
-                <a:cs typeface="Times New Roman" panose="02020603050405020304" pitchFamily="18" charset="0"/>
-              </a:rPr>
-              <a:t>Website:</a:t>
-            </a:r>
-          </a:p>
-          <a:p>
-            <a:pPr marL="285750" indent="-285750">
-              <a:buFont typeface="Arial" panose="020B0604020202020204" pitchFamily="34" charset="0"/>
-              <a:buChar char="•"/>
-            </a:pPr>
-            <a:r>
-              <a:rPr lang="en-IN" dirty="0">
-                <a:latin typeface="Times New Roman" panose="02020603050405020304" pitchFamily="18" charset="0"/>
-                <a:cs typeface="Times New Roman" panose="02020603050405020304" pitchFamily="18" charset="0"/>
-              </a:rPr>
-              <a:t>Title: MySQL Documentation</a:t>
-            </a:r>
-          </a:p>
-          <a:p>
-            <a:pPr marL="285750" indent="-285750">
-              <a:buFont typeface="Arial" panose="020B0604020202020204" pitchFamily="34" charset="0"/>
-              <a:buChar char="•"/>
-            </a:pPr>
-            <a:r>
-              <a:rPr lang="en-IN" dirty="0">
-                <a:latin typeface="Times New Roman" panose="02020603050405020304" pitchFamily="18" charset="0"/>
-                <a:cs typeface="Times New Roman" panose="02020603050405020304" pitchFamily="18" charset="0"/>
-              </a:rPr>
-              <a:t>URL: </a:t>
-            </a:r>
-            <a:r>
-              <a:rPr lang="en-IN" dirty="0">
-                <a:latin typeface="Times New Roman" panose="02020603050405020304" pitchFamily="18" charset="0"/>
-                <a:cs typeface="Times New Roman" panose="02020603050405020304" pitchFamily="18" charset="0"/>
-                <a:hlinkClick r:id="rId4"/>
-              </a:rPr>
-              <a:t>https://www.mysql.com/products/enterprise/document_store.html</a:t>
-            </a:r>
-            <a:endParaRPr lang="en-IN" dirty="0">
-              <a:latin typeface="Times New Roman" panose="02020603050405020304" pitchFamily="18" charset="0"/>
-              <a:cs typeface="Times New Roman" panose="02020603050405020304" pitchFamily="18" charset="0"/>
-            </a:endParaRPr>
-          </a:p>
-          <a:p>
-            <a:pPr marL="285750" indent="-285750">
-              <a:buFont typeface="Arial" panose="020B0604020202020204" pitchFamily="34" charset="0"/>
-              <a:buChar char="•"/>
-            </a:pPr>
-            <a:endParaRPr lang="en-IN" dirty="0">
-              <a:latin typeface="Times New Roman" panose="02020603050405020304" pitchFamily="18" charset="0"/>
-              <a:cs typeface="Times New Roman" panose="02020603050405020304" pitchFamily="18" charset="0"/>
-            </a:endParaRPr>
-          </a:p>
-          <a:p>
-            <a:pPr marL="342900" indent="-342900">
-              <a:buFont typeface="+mj-lt"/>
               <a:buAutoNum type="arabicPeriod" startAt="5"/>
             </a:pPr>
             <a:r>
@@ -5749,7 +5760,7 @@
               <a:rPr lang="en-IN" dirty="0">
                 <a:latin typeface="Times New Roman" panose="02020603050405020304" pitchFamily="18" charset="0"/>
                 <a:cs typeface="Times New Roman" panose="02020603050405020304" pitchFamily="18" charset="0"/>
-                <a:hlinkClick r:id="rId5"/>
+                <a:hlinkClick r:id="rId6"/>
               </a:rPr>
               <a:t>https://docs.gradle.org/current/userguide/getting_started_eng.html</a:t>
             </a:r>
